--- a/assets/graphs.pptx
+++ b/assets/graphs.pptx
@@ -6,6 +6,8 @@
   </p:sldMasterIdLst>
   <p:sldIdLst>
     <p:sldId id="256" r:id="rId2"/>
+    <p:sldId id="257" r:id="rId3"/>
+    <p:sldId id="258" r:id="rId4"/>
   </p:sldIdLst>
   <p:sldSz cx="12192000" cy="6858000"/>
   <p:notesSz cx="6858000" cy="9144000"/>
@@ -104,6 +106,11 @@
       </a:defRPr>
     </a:lvl9pPr>
   </p:defaultTextStyle>
+  <p:extLst>
+    <p:ext uri="{EFAFB233-063F-42B5-8137-9DF3F51BA10A}">
+      <p15:sldGuideLst xmlns:p15="http://schemas.microsoft.com/office/powerpoint/2012/main"/>
+    </p:ext>
+  </p:extLst>
 </p:presentation>
 </file>
 
@@ -6165,6 +6172,491 @@
 </p:sld>
 </file>
 
+<file path=ppt/slides/slide2.xml><?xml version="1.0" encoding="utf-8"?>
+<p:sld xmlns:a="http://schemas.openxmlformats.org/drawingml/2006/main" xmlns:r="http://schemas.openxmlformats.org/officeDocument/2006/relationships" xmlns:p="http://schemas.openxmlformats.org/presentationml/2006/main">
+  <p:cSld>
+    <p:spTree>
+      <p:nvGrpSpPr>
+        <p:cNvPr id="1" name=""/>
+        <p:cNvGrpSpPr/>
+        <p:nvPr/>
+      </p:nvGrpSpPr>
+      <p:grpSpPr>
+        <a:xfrm>
+          <a:off x="0" y="0"/>
+          <a:ext cx="0" cy="0"/>
+          <a:chOff x="0" y="0"/>
+          <a:chExt cx="0" cy="0"/>
+        </a:xfrm>
+      </p:grpSpPr>
+      <p:graphicFrame>
+        <p:nvGraphicFramePr>
+          <p:cNvPr id="8" name="Table 7">
+            <a:extLst>
+              <a:ext uri="{FF2B5EF4-FFF2-40B4-BE49-F238E27FC236}">
+                <a16:creationId xmlns:a16="http://schemas.microsoft.com/office/drawing/2014/main" id="{D9E20C95-17B2-83B9-D8B6-F77A005422D6}"/>
+              </a:ext>
+            </a:extLst>
+          </p:cNvPr>
+          <p:cNvGraphicFramePr>
+            <a:graphicFrameLocks noGrp="1"/>
+          </p:cNvGraphicFramePr>
+          <p:nvPr>
+            <p:extLst>
+              <p:ext uri="{D42A27DB-BD31-4B8C-83A1-F6EECF244321}">
+                <p14:modId xmlns:p14="http://schemas.microsoft.com/office/powerpoint/2010/main" val="1808852406"/>
+              </p:ext>
+            </p:extLst>
+          </p:nvPr>
+        </p:nvGraphicFramePr>
+        <p:xfrm>
+          <a:off x="2032000" y="719665"/>
+          <a:ext cx="4184770" cy="4305310"/>
+        </p:xfrm>
+        <a:graphic>
+          <a:graphicData uri="http://schemas.openxmlformats.org/drawingml/2006/table">
+            <a:tbl>
+              <a:tblPr firstRow="1" bandRow="1">
+                <a:tableStyleId>{5C22544A-7EE6-4342-B048-85BDC9FD1C3A}</a:tableStyleId>
+              </a:tblPr>
+              <a:tblGrid>
+                <a:gridCol w="2597509">
+                  <a:extLst>
+                    <a:ext uri="{9D8B030D-6E8A-4147-A177-3AD203B41FA5}">
+                      <a16:colId xmlns:a16="http://schemas.microsoft.com/office/drawing/2014/main" val="2738049991"/>
+                    </a:ext>
+                  </a:extLst>
+                </a:gridCol>
+                <a:gridCol w="1587261">
+                  <a:extLst>
+                    <a:ext uri="{9D8B030D-6E8A-4147-A177-3AD203B41FA5}">
+                      <a16:colId xmlns:a16="http://schemas.microsoft.com/office/drawing/2014/main" val="3788138208"/>
+                    </a:ext>
+                  </a:extLst>
+                </a:gridCol>
+              </a:tblGrid>
+              <a:tr h="366523">
+                <a:tc>
+                  <a:txBody>
+                    <a:bodyPr/>
+                    <a:lstStyle/>
+                    <a:p>
+                      <a:r>
+                        <a:rPr lang="en-US" dirty="0"/>
+                        <a:t>Skill</a:t>
+                      </a:r>
+                    </a:p>
+                  </a:txBody>
+                  <a:tcPr/>
+                </a:tc>
+                <a:tc>
+                  <a:txBody>
+                    <a:bodyPr/>
+                    <a:lstStyle/>
+                    <a:p>
+                      <a:r>
+                        <a:rPr lang="en-US" dirty="0"/>
+                        <a:t>Frequency in sample</a:t>
+                      </a:r>
+                    </a:p>
+                  </a:txBody>
+                  <a:tcPr/>
+                </a:tc>
+                <a:extLst>
+                  <a:ext uri="{0D108BD9-81ED-4DB2-BD59-A6C34878D82A}">
+                    <a16:rowId xmlns:a16="http://schemas.microsoft.com/office/drawing/2014/main" val="4017475541"/>
+                  </a:ext>
+                </a:extLst>
+              </a:tr>
+              <a:tr h="366523">
+                <a:tc>
+                  <a:txBody>
+                    <a:bodyPr/>
+                    <a:lstStyle/>
+                    <a:p>
+                      <a:r>
+                        <a:rPr lang="en-US" dirty="0"/>
+                        <a:t>Machine Learning</a:t>
+                      </a:r>
+                    </a:p>
+                  </a:txBody>
+                  <a:tcPr/>
+                </a:tc>
+                <a:tc>
+                  <a:txBody>
+                    <a:bodyPr/>
+                    <a:lstStyle/>
+                    <a:p>
+                      <a:pPr algn="ctr"/>
+                      <a:r>
+                        <a:rPr lang="en-US" dirty="0"/>
+                        <a:t>18</a:t>
+                      </a:r>
+                    </a:p>
+                  </a:txBody>
+                  <a:tcPr/>
+                </a:tc>
+                <a:extLst>
+                  <a:ext uri="{0D108BD9-81ED-4DB2-BD59-A6C34878D82A}">
+                    <a16:rowId xmlns:a16="http://schemas.microsoft.com/office/drawing/2014/main" val="1893095133"/>
+                  </a:ext>
+                </a:extLst>
+              </a:tr>
+              <a:tr h="366523">
+                <a:tc>
+                  <a:txBody>
+                    <a:bodyPr/>
+                    <a:lstStyle/>
+                    <a:p>
+                      <a:r>
+                        <a:rPr lang="en-US" dirty="0" err="1"/>
+                        <a:t>Pytorch</a:t>
+                      </a:r>
+                      <a:endParaRPr lang="en-US" dirty="0"/>
+                    </a:p>
+                  </a:txBody>
+                  <a:tcPr/>
+                </a:tc>
+                <a:tc>
+                  <a:txBody>
+                    <a:bodyPr/>
+                    <a:lstStyle/>
+                    <a:p>
+                      <a:pPr algn="ctr"/>
+                      <a:r>
+                        <a:rPr lang="en-US" dirty="0"/>
+                        <a:t>14</a:t>
+                      </a:r>
+                    </a:p>
+                  </a:txBody>
+                  <a:tcPr/>
+                </a:tc>
+                <a:extLst>
+                  <a:ext uri="{0D108BD9-81ED-4DB2-BD59-A6C34878D82A}">
+                    <a16:rowId xmlns:a16="http://schemas.microsoft.com/office/drawing/2014/main" val="1716359029"/>
+                  </a:ext>
+                </a:extLst>
+              </a:tr>
+              <a:tr h="366523">
+                <a:tc>
+                  <a:txBody>
+                    <a:bodyPr/>
+                    <a:lstStyle/>
+                    <a:p>
+                      <a:r>
+                        <a:rPr lang="en-US" dirty="0"/>
+                        <a:t>Python</a:t>
+                      </a:r>
+                    </a:p>
+                  </a:txBody>
+                  <a:tcPr/>
+                </a:tc>
+                <a:tc>
+                  <a:txBody>
+                    <a:bodyPr/>
+                    <a:lstStyle/>
+                    <a:p>
+                      <a:pPr algn="ctr"/>
+                      <a:r>
+                        <a:rPr lang="en-US" dirty="0"/>
+                        <a:t>11</a:t>
+                      </a:r>
+                    </a:p>
+                  </a:txBody>
+                  <a:tcPr/>
+                </a:tc>
+                <a:extLst>
+                  <a:ext uri="{0D108BD9-81ED-4DB2-BD59-A6C34878D82A}">
+                    <a16:rowId xmlns:a16="http://schemas.microsoft.com/office/drawing/2014/main" val="890979626"/>
+                  </a:ext>
+                </a:extLst>
+              </a:tr>
+              <a:tr h="366523">
+                <a:tc>
+                  <a:txBody>
+                    <a:bodyPr/>
+                    <a:lstStyle/>
+                    <a:p>
+                      <a:r>
+                        <a:rPr lang="en-US" dirty="0" err="1"/>
+                        <a:t>Tensorflow</a:t>
+                      </a:r>
+                      <a:endParaRPr lang="en-US" dirty="0"/>
+                    </a:p>
+                  </a:txBody>
+                  <a:tcPr/>
+                </a:tc>
+                <a:tc>
+                  <a:txBody>
+                    <a:bodyPr/>
+                    <a:lstStyle/>
+                    <a:p>
+                      <a:pPr algn="ctr"/>
+                      <a:r>
+                        <a:rPr lang="en-US" dirty="0"/>
+                        <a:t>8</a:t>
+                      </a:r>
+                    </a:p>
+                  </a:txBody>
+                  <a:tcPr/>
+                </a:tc>
+                <a:extLst>
+                  <a:ext uri="{0D108BD9-81ED-4DB2-BD59-A6C34878D82A}">
+                    <a16:rowId xmlns:a16="http://schemas.microsoft.com/office/drawing/2014/main" val="2411129655"/>
+                  </a:ext>
+                </a:extLst>
+              </a:tr>
+              <a:tr h="366523">
+                <a:tc>
+                  <a:txBody>
+                    <a:bodyPr/>
+                    <a:lstStyle/>
+                    <a:p>
+                      <a:r>
+                        <a:rPr lang="en-US" dirty="0"/>
+                        <a:t>Deep Learning</a:t>
+                      </a:r>
+                    </a:p>
+                  </a:txBody>
+                  <a:tcPr/>
+                </a:tc>
+                <a:tc>
+                  <a:txBody>
+                    <a:bodyPr/>
+                    <a:lstStyle/>
+                    <a:p>
+                      <a:pPr algn="ctr"/>
+                      <a:r>
+                        <a:rPr lang="en-US" dirty="0"/>
+                        <a:t>7</a:t>
+                      </a:r>
+                    </a:p>
+                  </a:txBody>
+                  <a:tcPr/>
+                </a:tc>
+                <a:extLst>
+                  <a:ext uri="{0D108BD9-81ED-4DB2-BD59-A6C34878D82A}">
+                    <a16:rowId xmlns:a16="http://schemas.microsoft.com/office/drawing/2014/main" val="1091476675"/>
+                  </a:ext>
+                </a:extLst>
+              </a:tr>
+              <a:tr h="366523">
+                <a:tc>
+                  <a:txBody>
+                    <a:bodyPr/>
+                    <a:lstStyle/>
+                    <a:p>
+                      <a:r>
+                        <a:rPr lang="en-US" dirty="0"/>
+                        <a:t>JAX</a:t>
+                      </a:r>
+                    </a:p>
+                  </a:txBody>
+                  <a:tcPr/>
+                </a:tc>
+                <a:tc>
+                  <a:txBody>
+                    <a:bodyPr/>
+                    <a:lstStyle/>
+                    <a:p>
+                      <a:pPr algn="ctr"/>
+                      <a:r>
+                        <a:rPr lang="en-US" dirty="0"/>
+                        <a:t>6</a:t>
+                      </a:r>
+                    </a:p>
+                  </a:txBody>
+                  <a:tcPr/>
+                </a:tc>
+                <a:extLst>
+                  <a:ext uri="{0D108BD9-81ED-4DB2-BD59-A6C34878D82A}">
+                    <a16:rowId xmlns:a16="http://schemas.microsoft.com/office/drawing/2014/main" val="3235134633"/>
+                  </a:ext>
+                </a:extLst>
+              </a:tr>
+              <a:tr h="366523">
+                <a:tc>
+                  <a:txBody>
+                    <a:bodyPr/>
+                    <a:lstStyle/>
+                    <a:p>
+                      <a:r>
+                        <a:rPr lang="en-US" dirty="0"/>
+                        <a:t>C/C++</a:t>
+                      </a:r>
+                    </a:p>
+                  </a:txBody>
+                  <a:tcPr/>
+                </a:tc>
+                <a:tc>
+                  <a:txBody>
+                    <a:bodyPr/>
+                    <a:lstStyle/>
+                    <a:p>
+                      <a:pPr algn="ctr"/>
+                      <a:r>
+                        <a:rPr lang="en-US" dirty="0"/>
+                        <a:t>5</a:t>
+                      </a:r>
+                    </a:p>
+                  </a:txBody>
+                  <a:tcPr/>
+                </a:tc>
+                <a:extLst>
+                  <a:ext uri="{0D108BD9-81ED-4DB2-BD59-A6C34878D82A}">
+                    <a16:rowId xmlns:a16="http://schemas.microsoft.com/office/drawing/2014/main" val="982769788"/>
+                  </a:ext>
+                </a:extLst>
+              </a:tr>
+              <a:tr h="366523">
+                <a:tc>
+                  <a:txBody>
+                    <a:bodyPr/>
+                    <a:lstStyle/>
+                    <a:p>
+                      <a:r>
+                        <a:rPr lang="en-US" dirty="0"/>
+                        <a:t>Debugging</a:t>
+                      </a:r>
+                    </a:p>
+                  </a:txBody>
+                  <a:tcPr/>
+                </a:tc>
+                <a:tc>
+                  <a:txBody>
+                    <a:bodyPr/>
+                    <a:lstStyle/>
+                    <a:p>
+                      <a:pPr algn="ctr"/>
+                      <a:r>
+                        <a:rPr lang="en-US" dirty="0"/>
+                        <a:t>5</a:t>
+                      </a:r>
+                    </a:p>
+                  </a:txBody>
+                  <a:tcPr/>
+                </a:tc>
+                <a:extLst>
+                  <a:ext uri="{0D108BD9-81ED-4DB2-BD59-A6C34878D82A}">
+                    <a16:rowId xmlns:a16="http://schemas.microsoft.com/office/drawing/2014/main" val="3590768727"/>
+                  </a:ext>
+                </a:extLst>
+              </a:tr>
+              <a:tr h="366523">
+                <a:tc>
+                  <a:txBody>
+                    <a:bodyPr/>
+                    <a:lstStyle/>
+                    <a:p>
+                      <a:r>
+                        <a:rPr lang="en-US" dirty="0"/>
+                        <a:t>Java</a:t>
+                      </a:r>
+                    </a:p>
+                  </a:txBody>
+                  <a:tcPr/>
+                </a:tc>
+                <a:tc>
+                  <a:txBody>
+                    <a:bodyPr/>
+                    <a:lstStyle/>
+                    <a:p>
+                      <a:pPr algn="ctr"/>
+                      <a:r>
+                        <a:rPr lang="en-US" dirty="0"/>
+                        <a:t>5</a:t>
+                      </a:r>
+                    </a:p>
+                  </a:txBody>
+                  <a:tcPr/>
+                </a:tc>
+                <a:extLst>
+                  <a:ext uri="{0D108BD9-81ED-4DB2-BD59-A6C34878D82A}">
+                    <a16:rowId xmlns:a16="http://schemas.microsoft.com/office/drawing/2014/main" val="2304782329"/>
+                  </a:ext>
+                </a:extLst>
+              </a:tr>
+              <a:tr h="366523">
+                <a:tc>
+                  <a:txBody>
+                    <a:bodyPr/>
+                    <a:lstStyle/>
+                    <a:p>
+                      <a:r>
+                        <a:rPr lang="en-US" dirty="0"/>
+                        <a:t>Communication Skills</a:t>
+                      </a:r>
+                    </a:p>
+                  </a:txBody>
+                  <a:tcPr/>
+                </a:tc>
+                <a:tc>
+                  <a:txBody>
+                    <a:bodyPr/>
+                    <a:lstStyle/>
+                    <a:p>
+                      <a:pPr algn="ctr"/>
+                      <a:r>
+                        <a:rPr lang="en-US" dirty="0"/>
+                        <a:t>5</a:t>
+                      </a:r>
+                    </a:p>
+                  </a:txBody>
+                  <a:tcPr/>
+                </a:tc>
+                <a:extLst>
+                  <a:ext uri="{0D108BD9-81ED-4DB2-BD59-A6C34878D82A}">
+                    <a16:rowId xmlns:a16="http://schemas.microsoft.com/office/drawing/2014/main" val="392309274"/>
+                  </a:ext>
+                </a:extLst>
+              </a:tr>
+            </a:tbl>
+          </a:graphicData>
+        </a:graphic>
+      </p:graphicFrame>
+    </p:spTree>
+    <p:extLst>
+      <p:ext uri="{BB962C8B-B14F-4D97-AF65-F5344CB8AC3E}">
+        <p14:creationId xmlns:p14="http://schemas.microsoft.com/office/powerpoint/2010/main" val="1185121071"/>
+      </p:ext>
+    </p:extLst>
+  </p:cSld>
+  <p:clrMapOvr>
+    <a:masterClrMapping/>
+  </p:clrMapOvr>
+</p:sld>
+</file>
+
+<file path=ppt/slides/slide3.xml><?xml version="1.0" encoding="utf-8"?>
+<p:sld xmlns:a="http://schemas.openxmlformats.org/drawingml/2006/main" xmlns:r="http://schemas.openxmlformats.org/officeDocument/2006/relationships" xmlns:p="http://schemas.openxmlformats.org/presentationml/2006/main">
+  <p:cSld>
+    <p:spTree>
+      <p:nvGrpSpPr>
+        <p:cNvPr id="1" name=""/>
+        <p:cNvGrpSpPr/>
+        <p:nvPr/>
+      </p:nvGrpSpPr>
+      <p:grpSpPr>
+        <a:xfrm>
+          <a:off x="0" y="0"/>
+          <a:ext cx="0" cy="0"/>
+          <a:chOff x="0" y="0"/>
+          <a:chExt cx="0" cy="0"/>
+        </a:xfrm>
+      </p:grpSpPr>
+    </p:spTree>
+    <p:extLst>
+      <p:ext uri="{BB962C8B-B14F-4D97-AF65-F5344CB8AC3E}">
+        <p14:creationId xmlns:p14="http://schemas.microsoft.com/office/powerpoint/2010/main" val="3664732138"/>
+      </p:ext>
+    </p:extLst>
+  </p:cSld>
+  <p:clrMapOvr>
+    <a:masterClrMapping/>
+  </p:clrMapOvr>
+</p:sld>
+</file>
+
 <file path=ppt/theme/theme1.xml><?xml version="1.0" encoding="utf-8"?>
 <a:theme xmlns:a="http://schemas.openxmlformats.org/drawingml/2006/main" name="Office Theme">
   <a:themeElements>
